--- a/joint action and knowing others minds/conf budapest ceu talk cognitive 2012-09/interacting mindreaders.ppt.pptx
+++ b/joint action and knowing others minds/conf budapest ceu talk cognitive 2012-09/interacting mindreaders.ppt.pptx
@@ -53,10 +53,10 @@
     <p:sldId id="911" r:id="rId41"/>
     <p:sldId id="955" r:id="rId42"/>
     <p:sldId id="912" r:id="rId43"/>
-    <p:sldId id="963" r:id="rId44"/>
-    <p:sldId id="964" r:id="rId45"/>
-    <p:sldId id="511" r:id="rId46"/>
-    <p:sldId id="919" r:id="rId47"/>
+    <p:sldId id="968" r:id="rId44"/>
+    <p:sldId id="969" r:id="rId45"/>
+    <p:sldId id="963" r:id="rId46"/>
+    <p:sldId id="964" r:id="rId47"/>
     <p:sldId id="945" r:id="rId48"/>
     <p:sldId id="953" r:id="rId49"/>
     <p:sldId id="954" r:id="rId50"/>
@@ -303,7 +303,7 @@
           <a:p>
             <a:fld id="{4E0FDDF2-C6EA-E74A-AE03-E3FFBD43675E}" type="datetimeFigureOut">
               <a:rPr lang="en-US" smtClean="0"/>
-              <a:t>11/09/2012</a:t>
+              <a:t>12/09/2012</a:t>
             </a:fld>
             <a:endParaRPr lang="en-US"/>
           </a:p>
@@ -3797,7 +3797,7 @@
             <a:fld id="{7E4F02A2-6C30-E14B-8D14-9D5908574FD1}" type="slidenum">
               <a:rPr lang="en-GB"/>
               <a:pPr/>
-              <a:t>43</a:t>
+              <a:t>45</a:t>
             </a:fld>
             <a:endParaRPr lang="en-GB"/>
           </a:p>
@@ -4255,7 +4255,7 @@
             <a:fld id="{7E4F02A2-6C30-E14B-8D14-9D5908574FD1}" type="slidenum">
               <a:rPr lang="en-GB"/>
               <a:pPr/>
-              <a:t>44</a:t>
+              <a:t>46</a:t>
             </a:fld>
             <a:endParaRPr lang="en-GB"/>
           </a:p>
@@ -31980,6 +31980,945 @@
           <a:chExt cx="0" cy="0"/>
         </a:xfrm>
       </p:grpSpPr>
+      <p:sp>
+        <p:nvSpPr>
+          <p:cNvPr id="831495" name="Text Box 7"/>
+          <p:cNvSpPr txBox="1">
+            <a:spLocks noChangeArrowheads="1"/>
+          </p:cNvSpPr>
+          <p:nvPr/>
+        </p:nvSpPr>
+        <p:spPr bwMode="auto">
+          <a:xfrm>
+            <a:off x="2851016" y="3214690"/>
+            <a:ext cx="3441968" cy="430887"/>
+          </a:xfrm>
+          <a:prstGeom prst="rect">
+            <a:avLst/>
+          </a:prstGeom>
+          <a:noFill/>
+          <a:ln>
+            <a:noFill/>
+          </a:ln>
+          <a:effectLst/>
+          <a:extLst>
+            <a:ext uri="{909E8E84-426E-40dd-AFC4-6F175D3DCCD1}">
+              <a14:hiddenFill xmlns:a14="http://schemas.microsoft.com/office/drawing/2010/main">
+                <a:solidFill>
+                  <a:schemeClr val="accent1"/>
+                </a:solidFill>
+              </a14:hiddenFill>
+            </a:ext>
+            <a:ext uri="{91240B29-F687-4f45-9708-019B960494DF}">
+              <a14:hiddenLine xmlns:a14="http://schemas.microsoft.com/office/drawing/2010/main" w="9525">
+                <a:solidFill>
+                  <a:schemeClr val="tx1"/>
+                </a:solidFill>
+                <a:miter lim="800000"/>
+                <a:headEnd/>
+                <a:tailEnd/>
+              </a14:hiddenLine>
+            </a:ext>
+            <a:ext uri="{AF507438-7753-43e0-B8FC-AC1667EBCBE1}">
+              <a14:hiddenEffects xmlns:a14="http://schemas.microsoft.com/office/drawing/2010/main">
+                <a:effectLst>
+                  <a:outerShdw blurRad="63500" dist="38099" dir="2700000" algn="ctr" rotWithShape="0">
+                    <a:schemeClr val="bg2">
+                      <a:alpha val="74998"/>
+                    </a:schemeClr>
+                  </a:outerShdw>
+                </a:effectLst>
+              </a14:hiddenEffects>
+            </a:ext>
+          </a:extLst>
+        </p:spPr>
+        <p:txBody>
+          <a:bodyPr wrap="none">
+            <a:spAutoFit/>
+          </a:bodyPr>
+          <a:lstStyle/>
+          <a:p>
+            <a:r>
+              <a:rPr lang="en-GB" i="0" dirty="0"/>
+              <a:t>The problem of </a:t>
+            </a:r>
+            <a:r>
+              <a:rPr lang="en-GB" i="0" dirty="0" smtClean="0"/>
+              <a:t>false belief</a:t>
+            </a:r>
+            <a:endParaRPr lang="en-GB" i="0" dirty="0"/>
+          </a:p>
+        </p:txBody>
+      </p:sp>
+    </p:spTree>
+    <p:extLst>
+      <p:ext uri="{BB962C8B-B14F-4D97-AF65-F5344CB8AC3E}">
+        <p14:creationId xmlns:p14="http://schemas.microsoft.com/office/powerpoint/2010/main" val="2854843599"/>
+      </p:ext>
+    </p:extLst>
+  </p:cSld>
+  <p:clrMapOvr>
+    <a:masterClrMapping/>
+  </p:clrMapOvr>
+  <p:transition xmlns:p14="http://schemas.microsoft.com/office/powerpoint/2010/main"/>
+  <p:timing>
+    <p:tnLst>
+      <p:par>
+        <p:cTn xmlns:p14="http://schemas.microsoft.com/office/powerpoint/2010/main" id="1" dur="indefinite" restart="never" nodeType="tmRoot"/>
+      </p:par>
+    </p:tnLst>
+  </p:timing>
+</p:sld>
+</file>
+
+<file path=ppt/slides/slide44.xml><?xml version="1.0" encoding="utf-8"?>
+<p:sld xmlns:a="http://schemas.openxmlformats.org/drawingml/2006/main" xmlns:r="http://schemas.openxmlformats.org/officeDocument/2006/relationships" xmlns:p="http://schemas.openxmlformats.org/presentationml/2006/main">
+  <p:cSld>
+    <p:spTree>
+      <p:nvGrpSpPr>
+        <p:cNvPr id="1" name=""/>
+        <p:cNvGrpSpPr/>
+        <p:nvPr/>
+      </p:nvGrpSpPr>
+      <p:grpSpPr>
+        <a:xfrm>
+          <a:off x="0" y="0"/>
+          <a:ext cx="0" cy="0"/>
+          <a:chOff x="0" y="0"/>
+          <a:chExt cx="0" cy="0"/>
+        </a:xfrm>
+      </p:grpSpPr>
+      <p:sp>
+        <p:nvSpPr>
+          <p:cNvPr id="2" name="Rectangle 1"/>
+          <p:cNvSpPr/>
+          <p:nvPr/>
+        </p:nvSpPr>
+        <p:spPr bwMode="auto">
+          <a:xfrm>
+            <a:off x="1043608" y="1772816"/>
+            <a:ext cx="1368152" cy="1368152"/>
+          </a:xfrm>
+          <a:prstGeom prst="rect">
+            <a:avLst/>
+          </a:prstGeom>
+          <a:solidFill>
+            <a:schemeClr val="bg1"/>
+          </a:solidFill>
+          <a:ln w="9525" cap="flat" cmpd="sng" algn="ctr">
+            <a:solidFill>
+              <a:schemeClr val="tx1"/>
+            </a:solidFill>
+            <a:prstDash val="solid"/>
+            <a:round/>
+            <a:headEnd type="none" w="med" len="med"/>
+            <a:tailEnd type="none" w="med" len="med"/>
+          </a:ln>
+          <a:effectLst/>
+        </p:spPr>
+        <p:txBody>
+          <a:bodyPr vert="horz" wrap="square" lIns="91440" tIns="45720" rIns="91440" bIns="45720" numCol="1" rtlCol="0" anchor="t" anchorCtr="0" compatLnSpc="1">
+            <a:prstTxWarp prst="textNoShape">
+              <a:avLst/>
+            </a:prstTxWarp>
+          </a:bodyPr>
+          <a:lstStyle/>
+          <a:p>
+            <a:pPr marL="0" marR="0" indent="0" algn="l" defTabSz="449263" rtl="0" eaLnBrk="1" fontAlgn="base" latinLnBrk="0" hangingPunct="1">
+              <a:lnSpc>
+                <a:spcPct val="100000"/>
+              </a:lnSpc>
+              <a:spcBef>
+                <a:spcPct val="0"/>
+              </a:spcBef>
+              <a:spcAft>
+                <a:spcPct val="0"/>
+              </a:spcAft>
+              <a:buClr>
+                <a:srgbClr val="000000"/>
+              </a:buClr>
+              <a:buSzPct val="100000"/>
+              <a:buFont typeface="Times New Roman" charset="0"/>
+              <a:buNone/>
+              <a:tabLst/>
+            </a:pPr>
+            <a:endParaRPr kumimoji="0" lang="en-US" sz="2200" b="0" i="1" u="none" strike="noStrike" cap="none" normalizeH="0" baseline="0">
+              <a:ln>
+                <a:noFill/>
+              </a:ln>
+              <a:solidFill>
+                <a:schemeClr val="bg1"/>
+              </a:solidFill>
+              <a:effectLst/>
+              <a:latin typeface="Myriad Web" charset="0"/>
+            </a:endParaRPr>
+          </a:p>
+        </p:txBody>
+      </p:sp>
+      <p:sp>
+        <p:nvSpPr>
+          <p:cNvPr id="4" name="Rectangle 3"/>
+          <p:cNvSpPr/>
+          <p:nvPr/>
+        </p:nvSpPr>
+        <p:spPr bwMode="auto">
+          <a:xfrm>
+            <a:off x="1259632" y="4221088"/>
+            <a:ext cx="1368152" cy="1368152"/>
+          </a:xfrm>
+          <a:prstGeom prst="rect">
+            <a:avLst/>
+          </a:prstGeom>
+          <a:solidFill>
+            <a:schemeClr val="bg1"/>
+          </a:solidFill>
+          <a:ln w="9525" cap="flat" cmpd="sng" algn="ctr">
+            <a:solidFill>
+              <a:schemeClr val="tx1"/>
+            </a:solidFill>
+            <a:prstDash val="solid"/>
+            <a:round/>
+            <a:headEnd type="none" w="med" len="med"/>
+            <a:tailEnd type="none" w="med" len="med"/>
+          </a:ln>
+          <a:effectLst/>
+        </p:spPr>
+        <p:txBody>
+          <a:bodyPr vert="horz" wrap="square" lIns="91440" tIns="45720" rIns="91440" bIns="45720" numCol="1" rtlCol="0" anchor="t" anchorCtr="0" compatLnSpc="1">
+            <a:prstTxWarp prst="textNoShape">
+              <a:avLst/>
+            </a:prstTxWarp>
+          </a:bodyPr>
+          <a:lstStyle/>
+          <a:p>
+            <a:pPr marL="0" marR="0" indent="0" algn="l" defTabSz="449263" rtl="0" eaLnBrk="1" fontAlgn="base" latinLnBrk="0" hangingPunct="1">
+              <a:lnSpc>
+                <a:spcPct val="100000"/>
+              </a:lnSpc>
+              <a:spcBef>
+                <a:spcPct val="0"/>
+              </a:spcBef>
+              <a:spcAft>
+                <a:spcPct val="0"/>
+              </a:spcAft>
+              <a:buClr>
+                <a:srgbClr val="000000"/>
+              </a:buClr>
+              <a:buSzPct val="100000"/>
+              <a:buFont typeface="Times New Roman" charset="0"/>
+              <a:buNone/>
+              <a:tabLst/>
+            </a:pPr>
+            <a:endParaRPr kumimoji="0" lang="en-US" sz="2200" b="0" i="1" u="none" strike="noStrike" cap="none" normalizeH="0" baseline="0">
+              <a:ln>
+                <a:noFill/>
+              </a:ln>
+              <a:solidFill>
+                <a:schemeClr val="bg1"/>
+              </a:solidFill>
+              <a:effectLst/>
+              <a:latin typeface="Myriad Web" charset="0"/>
+            </a:endParaRPr>
+          </a:p>
+        </p:txBody>
+      </p:sp>
+      <p:sp>
+        <p:nvSpPr>
+          <p:cNvPr id="5" name="Text Box 7"/>
+          <p:cNvSpPr txBox="1">
+            <a:spLocks noChangeArrowheads="1"/>
+          </p:cNvSpPr>
+          <p:nvPr/>
+        </p:nvSpPr>
+        <p:spPr bwMode="auto">
+          <a:xfrm>
+            <a:off x="3995936" y="909881"/>
+            <a:ext cx="926941" cy="430887"/>
+          </a:xfrm>
+          <a:prstGeom prst="rect">
+            <a:avLst/>
+          </a:prstGeom>
+          <a:noFill/>
+          <a:ln>
+            <a:noFill/>
+          </a:ln>
+          <a:effectLst/>
+          <a:extLst>
+            <a:ext uri="{909E8E84-426E-40dd-AFC4-6F175D3DCCD1}">
+              <a14:hiddenFill xmlns:a14="http://schemas.microsoft.com/office/drawing/2010/main">
+                <a:solidFill>
+                  <a:schemeClr val="accent1"/>
+                </a:solidFill>
+              </a14:hiddenFill>
+            </a:ext>
+            <a:ext uri="{91240B29-F687-4f45-9708-019B960494DF}">
+              <a14:hiddenLine xmlns:a14="http://schemas.microsoft.com/office/drawing/2010/main" w="9525">
+                <a:solidFill>
+                  <a:schemeClr val="tx1"/>
+                </a:solidFill>
+                <a:miter lim="800000"/>
+                <a:headEnd/>
+                <a:tailEnd/>
+              </a14:hiddenLine>
+            </a:ext>
+            <a:ext uri="{AF507438-7753-43e0-B8FC-AC1667EBCBE1}">
+              <a14:hiddenEffects xmlns:a14="http://schemas.microsoft.com/office/drawing/2010/main">
+                <a:effectLst>
+                  <a:outerShdw blurRad="63500" dist="38099" dir="2700000" algn="ctr" rotWithShape="0">
+                    <a:schemeClr val="bg2">
+                      <a:alpha val="74998"/>
+                    </a:schemeClr>
+                  </a:outerShdw>
+                </a:effectLst>
+              </a14:hiddenEffects>
+            </a:ext>
+          </a:extLst>
+        </p:spPr>
+        <p:txBody>
+          <a:bodyPr wrap="none">
+            <a:spAutoFit/>
+          </a:bodyPr>
+          <a:lstStyle/>
+          <a:p>
+            <a:r>
+              <a:rPr lang="en-GB" i="0" dirty="0" smtClean="0"/>
+              <a:t>actual</a:t>
+            </a:r>
+            <a:endParaRPr lang="en-GB" i="0" dirty="0"/>
+          </a:p>
+        </p:txBody>
+      </p:sp>
+      <p:sp>
+        <p:nvSpPr>
+          <p:cNvPr id="6" name="Text Box 7"/>
+          <p:cNvSpPr txBox="1">
+            <a:spLocks noChangeArrowheads="1"/>
+          </p:cNvSpPr>
+          <p:nvPr/>
+        </p:nvSpPr>
+        <p:spPr bwMode="auto">
+          <a:xfrm>
+            <a:off x="1187624" y="2204864"/>
+            <a:ext cx="899298" cy="430887"/>
+          </a:xfrm>
+          <a:prstGeom prst="rect">
+            <a:avLst/>
+          </a:prstGeom>
+          <a:noFill/>
+          <a:ln>
+            <a:noFill/>
+          </a:ln>
+          <a:effectLst/>
+          <a:extLst>
+            <a:ext uri="{909E8E84-426E-40dd-AFC4-6F175D3DCCD1}">
+              <a14:hiddenFill xmlns:a14="http://schemas.microsoft.com/office/drawing/2010/main">
+                <a:solidFill>
+                  <a:schemeClr val="accent1"/>
+                </a:solidFill>
+              </a14:hiddenFill>
+            </a:ext>
+            <a:ext uri="{91240B29-F687-4f45-9708-019B960494DF}">
+              <a14:hiddenLine xmlns:a14="http://schemas.microsoft.com/office/drawing/2010/main" w="9525">
+                <a:solidFill>
+                  <a:schemeClr val="tx1"/>
+                </a:solidFill>
+                <a:miter lim="800000"/>
+                <a:headEnd/>
+                <a:tailEnd/>
+              </a14:hiddenLine>
+            </a:ext>
+            <a:ext uri="{AF507438-7753-43e0-B8FC-AC1667EBCBE1}">
+              <a14:hiddenEffects xmlns:a14="http://schemas.microsoft.com/office/drawing/2010/main">
+                <a:effectLst>
+                  <a:outerShdw blurRad="63500" dist="38099" dir="2700000" algn="ctr" rotWithShape="0">
+                    <a:schemeClr val="bg2">
+                      <a:alpha val="74998"/>
+                    </a:schemeClr>
+                  </a:outerShdw>
+                </a:effectLst>
+              </a14:hiddenEffects>
+            </a:ext>
+          </a:extLst>
+        </p:spPr>
+        <p:txBody>
+          <a:bodyPr wrap="none">
+            <a:spAutoFit/>
+          </a:bodyPr>
+          <a:lstStyle/>
+          <a:p>
+            <a:r>
+              <a:rPr lang="en-GB" i="0" dirty="0" smtClean="0">
+                <a:solidFill>
+                  <a:srgbClr val="000000"/>
+                </a:solidFill>
+                <a:effectLst>
+                  <a:glow>
+                    <a:srgbClr val="FFFFFF"/>
+                  </a:glow>
+                </a:effectLst>
+              </a:rPr>
+              <a:t>North</a:t>
+            </a:r>
+            <a:endParaRPr lang="en-GB" i="0" dirty="0">
+              <a:solidFill>
+                <a:srgbClr val="000000"/>
+              </a:solidFill>
+              <a:effectLst>
+                <a:glow>
+                  <a:srgbClr val="FFFFFF"/>
+                </a:glow>
+              </a:effectLst>
+            </a:endParaRPr>
+          </a:p>
+        </p:txBody>
+      </p:sp>
+      <p:sp>
+        <p:nvSpPr>
+          <p:cNvPr id="7" name="Text Box 7"/>
+          <p:cNvSpPr txBox="1">
+            <a:spLocks noChangeArrowheads="1"/>
+          </p:cNvSpPr>
+          <p:nvPr/>
+        </p:nvSpPr>
+        <p:spPr bwMode="auto">
+          <a:xfrm>
+            <a:off x="1475656" y="4797152"/>
+            <a:ext cx="909454" cy="430887"/>
+          </a:xfrm>
+          <a:prstGeom prst="rect">
+            <a:avLst/>
+          </a:prstGeom>
+          <a:noFill/>
+          <a:ln>
+            <a:noFill/>
+          </a:ln>
+          <a:effectLst/>
+          <a:extLst>
+            <a:ext uri="{909E8E84-426E-40dd-AFC4-6F175D3DCCD1}">
+              <a14:hiddenFill xmlns:a14="http://schemas.microsoft.com/office/drawing/2010/main">
+                <a:solidFill>
+                  <a:schemeClr val="accent1"/>
+                </a:solidFill>
+              </a14:hiddenFill>
+            </a:ext>
+            <a:ext uri="{91240B29-F687-4f45-9708-019B960494DF}">
+              <a14:hiddenLine xmlns:a14="http://schemas.microsoft.com/office/drawing/2010/main" w="9525">
+                <a:solidFill>
+                  <a:schemeClr val="tx1"/>
+                </a:solidFill>
+                <a:miter lim="800000"/>
+                <a:headEnd/>
+                <a:tailEnd/>
+              </a14:hiddenLine>
+            </a:ext>
+            <a:ext uri="{AF507438-7753-43e0-B8FC-AC1667EBCBE1}">
+              <a14:hiddenEffects xmlns:a14="http://schemas.microsoft.com/office/drawing/2010/main">
+                <a:effectLst>
+                  <a:outerShdw blurRad="63500" dist="38099" dir="2700000" algn="ctr" rotWithShape="0">
+                    <a:schemeClr val="bg2">
+                      <a:alpha val="74998"/>
+                    </a:schemeClr>
+                  </a:outerShdw>
+                </a:effectLst>
+              </a14:hiddenEffects>
+            </a:ext>
+          </a:extLst>
+        </p:spPr>
+        <p:txBody>
+          <a:bodyPr wrap="none">
+            <a:spAutoFit/>
+          </a:bodyPr>
+          <a:lstStyle/>
+          <a:p>
+            <a:r>
+              <a:rPr lang="en-GB" i="0" dirty="0" smtClean="0">
+                <a:solidFill>
+                  <a:srgbClr val="000000"/>
+                </a:solidFill>
+                <a:effectLst>
+                  <a:glow>
+                    <a:srgbClr val="FFFFFF"/>
+                  </a:glow>
+                </a:effectLst>
+              </a:rPr>
+              <a:t>South</a:t>
+            </a:r>
+            <a:endParaRPr lang="en-GB" i="0" dirty="0">
+              <a:solidFill>
+                <a:srgbClr val="000000"/>
+              </a:solidFill>
+              <a:effectLst>
+                <a:glow>
+                  <a:srgbClr val="FFFFFF"/>
+                </a:glow>
+              </a:effectLst>
+            </a:endParaRPr>
+          </a:p>
+        </p:txBody>
+      </p:sp>
+      <p:sp>
+        <p:nvSpPr>
+          <p:cNvPr id="8" name="Text Box 7"/>
+          <p:cNvSpPr txBox="1">
+            <a:spLocks noChangeArrowheads="1"/>
+          </p:cNvSpPr>
+          <p:nvPr/>
+        </p:nvSpPr>
+        <p:spPr bwMode="auto">
+          <a:xfrm>
+            <a:off x="6948264" y="981889"/>
+            <a:ext cx="1230237" cy="430887"/>
+          </a:xfrm>
+          <a:prstGeom prst="rect">
+            <a:avLst/>
+          </a:prstGeom>
+          <a:noFill/>
+          <a:ln>
+            <a:noFill/>
+          </a:ln>
+          <a:effectLst/>
+          <a:extLst>
+            <a:ext uri="{909E8E84-426E-40dd-AFC4-6F175D3DCCD1}">
+              <a14:hiddenFill xmlns:a14="http://schemas.microsoft.com/office/drawing/2010/main">
+                <a:solidFill>
+                  <a:schemeClr val="accent1"/>
+                </a:solidFill>
+              </a14:hiddenFill>
+            </a:ext>
+            <a:ext uri="{91240B29-F687-4f45-9708-019B960494DF}">
+              <a14:hiddenLine xmlns:a14="http://schemas.microsoft.com/office/drawing/2010/main" w="9525">
+                <a:solidFill>
+                  <a:schemeClr val="tx1"/>
+                </a:solidFill>
+                <a:miter lim="800000"/>
+                <a:headEnd/>
+                <a:tailEnd/>
+              </a14:hiddenLine>
+            </a:ext>
+            <a:ext uri="{AF507438-7753-43e0-B8FC-AC1667EBCBE1}">
+              <a14:hiddenEffects xmlns:a14="http://schemas.microsoft.com/office/drawing/2010/main">
+                <a:effectLst>
+                  <a:outerShdw blurRad="63500" dist="38099" dir="2700000" algn="ctr" rotWithShape="0">
+                    <a:schemeClr val="bg2">
+                      <a:alpha val="74998"/>
+                    </a:schemeClr>
+                  </a:outerShdw>
+                </a:effectLst>
+              </a14:hiddenEffects>
+            </a:ext>
+          </a:extLst>
+        </p:spPr>
+        <p:txBody>
+          <a:bodyPr wrap="none">
+            <a:spAutoFit/>
+          </a:bodyPr>
+          <a:lstStyle/>
+          <a:p>
+            <a:r>
+              <a:rPr lang="en-GB" i="0" dirty="0" smtClean="0"/>
+              <a:t>believed</a:t>
+            </a:r>
+            <a:endParaRPr lang="en-GB" i="0" dirty="0"/>
+          </a:p>
+        </p:txBody>
+      </p:sp>
+      <p:sp>
+        <p:nvSpPr>
+          <p:cNvPr id="9" name="Text Box 7"/>
+          <p:cNvSpPr txBox="1">
+            <a:spLocks noChangeArrowheads="1"/>
+          </p:cNvSpPr>
+          <p:nvPr/>
+        </p:nvSpPr>
+        <p:spPr bwMode="auto">
+          <a:xfrm>
+            <a:off x="4067944" y="2132856"/>
+            <a:ext cx="625355" cy="430887"/>
+          </a:xfrm>
+          <a:prstGeom prst="rect">
+            <a:avLst/>
+          </a:prstGeom>
+          <a:noFill/>
+          <a:ln>
+            <a:noFill/>
+          </a:ln>
+          <a:effectLst/>
+          <a:extLst>
+            <a:ext uri="{909E8E84-426E-40dd-AFC4-6F175D3DCCD1}">
+              <a14:hiddenFill xmlns:a14="http://schemas.microsoft.com/office/drawing/2010/main">
+                <a:solidFill>
+                  <a:schemeClr val="accent1"/>
+                </a:solidFill>
+              </a14:hiddenFill>
+            </a:ext>
+            <a:ext uri="{91240B29-F687-4f45-9708-019B960494DF}">
+              <a14:hiddenLine xmlns:a14="http://schemas.microsoft.com/office/drawing/2010/main" w="9525">
+                <a:solidFill>
+                  <a:schemeClr val="tx1"/>
+                </a:solidFill>
+                <a:miter lim="800000"/>
+                <a:headEnd/>
+                <a:tailEnd/>
+              </a14:hiddenLine>
+            </a:ext>
+            <a:ext uri="{AF507438-7753-43e0-B8FC-AC1667EBCBE1}">
+              <a14:hiddenEffects xmlns:a14="http://schemas.microsoft.com/office/drawing/2010/main">
+                <a:effectLst>
+                  <a:outerShdw blurRad="63500" dist="38099" dir="2700000" algn="ctr" rotWithShape="0">
+                    <a:schemeClr val="bg2">
+                      <a:alpha val="74998"/>
+                    </a:schemeClr>
+                  </a:outerShdw>
+                </a:effectLst>
+              </a14:hiddenEffects>
+            </a:ext>
+          </a:extLst>
+        </p:spPr>
+        <p:txBody>
+          <a:bodyPr wrap="none">
+            <a:spAutoFit/>
+          </a:bodyPr>
+          <a:lstStyle/>
+          <a:p>
+            <a:r>
+              <a:rPr lang="en-GB" i="0" dirty="0" smtClean="0"/>
+              <a:t>owl</a:t>
+            </a:r>
+            <a:endParaRPr lang="en-GB" i="0" dirty="0"/>
+          </a:p>
+        </p:txBody>
+      </p:sp>
+      <p:sp>
+        <p:nvSpPr>
+          <p:cNvPr id="10" name="Text Box 7"/>
+          <p:cNvSpPr txBox="1">
+            <a:spLocks noChangeArrowheads="1"/>
+          </p:cNvSpPr>
+          <p:nvPr/>
+        </p:nvSpPr>
+        <p:spPr bwMode="auto">
+          <a:xfrm>
+            <a:off x="4139952" y="4653136"/>
+            <a:ext cx="553121" cy="430887"/>
+          </a:xfrm>
+          <a:prstGeom prst="rect">
+            <a:avLst/>
+          </a:prstGeom>
+          <a:noFill/>
+          <a:ln>
+            <a:noFill/>
+          </a:ln>
+          <a:effectLst/>
+          <a:extLst>
+            <a:ext uri="{909E8E84-426E-40dd-AFC4-6F175D3DCCD1}">
+              <a14:hiddenFill xmlns:a14="http://schemas.microsoft.com/office/drawing/2010/main">
+                <a:solidFill>
+                  <a:schemeClr val="accent1"/>
+                </a:solidFill>
+              </a14:hiddenFill>
+            </a:ext>
+            <a:ext uri="{91240B29-F687-4f45-9708-019B960494DF}">
+              <a14:hiddenLine xmlns:a14="http://schemas.microsoft.com/office/drawing/2010/main" w="9525">
+                <a:solidFill>
+                  <a:schemeClr val="tx1"/>
+                </a:solidFill>
+                <a:miter lim="800000"/>
+                <a:headEnd/>
+                <a:tailEnd/>
+              </a14:hiddenLine>
+            </a:ext>
+            <a:ext uri="{AF507438-7753-43e0-B8FC-AC1667EBCBE1}">
+              <a14:hiddenEffects xmlns:a14="http://schemas.microsoft.com/office/drawing/2010/main">
+                <a:effectLst>
+                  <a:outerShdw blurRad="63500" dist="38099" dir="2700000" algn="ctr" rotWithShape="0">
+                    <a:schemeClr val="bg2">
+                      <a:alpha val="74998"/>
+                    </a:schemeClr>
+                  </a:outerShdw>
+                </a:effectLst>
+              </a14:hiddenEffects>
+            </a:ext>
+          </a:extLst>
+        </p:spPr>
+        <p:txBody>
+          <a:bodyPr wrap="none">
+            <a:spAutoFit/>
+          </a:bodyPr>
+          <a:lstStyle/>
+          <a:p>
+            <a:r>
+              <a:rPr lang="en-GB" i="0" dirty="0" smtClean="0"/>
+              <a:t>cat</a:t>
+            </a:r>
+            <a:endParaRPr lang="en-GB" i="0" dirty="0"/>
+          </a:p>
+        </p:txBody>
+      </p:sp>
+      <p:sp>
+        <p:nvSpPr>
+          <p:cNvPr id="11" name="Text Box 7"/>
+          <p:cNvSpPr txBox="1">
+            <a:spLocks noChangeArrowheads="1"/>
+          </p:cNvSpPr>
+          <p:nvPr/>
+        </p:nvSpPr>
+        <p:spPr bwMode="auto">
+          <a:xfrm>
+            <a:off x="7308304" y="1988840"/>
+            <a:ext cx="553121" cy="430887"/>
+          </a:xfrm>
+          <a:prstGeom prst="rect">
+            <a:avLst/>
+          </a:prstGeom>
+          <a:noFill/>
+          <a:ln>
+            <a:noFill/>
+          </a:ln>
+          <a:effectLst/>
+          <a:extLst>
+            <a:ext uri="{909E8E84-426E-40dd-AFC4-6F175D3DCCD1}">
+              <a14:hiddenFill xmlns:a14="http://schemas.microsoft.com/office/drawing/2010/main">
+                <a:solidFill>
+                  <a:schemeClr val="accent1"/>
+                </a:solidFill>
+              </a14:hiddenFill>
+            </a:ext>
+            <a:ext uri="{91240B29-F687-4f45-9708-019B960494DF}">
+              <a14:hiddenLine xmlns:a14="http://schemas.microsoft.com/office/drawing/2010/main" w="9525">
+                <a:solidFill>
+                  <a:schemeClr val="tx1"/>
+                </a:solidFill>
+                <a:miter lim="800000"/>
+                <a:headEnd/>
+                <a:tailEnd/>
+              </a14:hiddenLine>
+            </a:ext>
+            <a:ext uri="{AF507438-7753-43e0-B8FC-AC1667EBCBE1}">
+              <a14:hiddenEffects xmlns:a14="http://schemas.microsoft.com/office/drawing/2010/main">
+                <a:effectLst>
+                  <a:outerShdw blurRad="63500" dist="38099" dir="2700000" algn="ctr" rotWithShape="0">
+                    <a:schemeClr val="bg2">
+                      <a:alpha val="74998"/>
+                    </a:schemeClr>
+                  </a:outerShdw>
+                </a:effectLst>
+              </a14:hiddenEffects>
+            </a:ext>
+          </a:extLst>
+        </p:spPr>
+        <p:txBody>
+          <a:bodyPr wrap="none">
+            <a:spAutoFit/>
+          </a:bodyPr>
+          <a:lstStyle/>
+          <a:p>
+            <a:r>
+              <a:rPr lang="en-GB" i="0" dirty="0" smtClean="0"/>
+              <a:t>cat</a:t>
+            </a:r>
+            <a:endParaRPr lang="en-GB" i="0" dirty="0"/>
+          </a:p>
+        </p:txBody>
+      </p:sp>
+      <p:sp>
+        <p:nvSpPr>
+          <p:cNvPr id="12" name="Text Box 7"/>
+          <p:cNvSpPr txBox="1">
+            <a:spLocks noChangeArrowheads="1"/>
+          </p:cNvSpPr>
+          <p:nvPr/>
+        </p:nvSpPr>
+        <p:spPr bwMode="auto">
+          <a:xfrm>
+            <a:off x="7236296" y="4725144"/>
+            <a:ext cx="625355" cy="430887"/>
+          </a:xfrm>
+          <a:prstGeom prst="rect">
+            <a:avLst/>
+          </a:prstGeom>
+          <a:noFill/>
+          <a:ln>
+            <a:noFill/>
+          </a:ln>
+          <a:effectLst/>
+          <a:extLst>
+            <a:ext uri="{909E8E84-426E-40dd-AFC4-6F175D3DCCD1}">
+              <a14:hiddenFill xmlns:a14="http://schemas.microsoft.com/office/drawing/2010/main">
+                <a:solidFill>
+                  <a:schemeClr val="accent1"/>
+                </a:solidFill>
+              </a14:hiddenFill>
+            </a:ext>
+            <a:ext uri="{91240B29-F687-4f45-9708-019B960494DF}">
+              <a14:hiddenLine xmlns:a14="http://schemas.microsoft.com/office/drawing/2010/main" w="9525">
+                <a:solidFill>
+                  <a:schemeClr val="tx1"/>
+                </a:solidFill>
+                <a:miter lim="800000"/>
+                <a:headEnd/>
+                <a:tailEnd/>
+              </a14:hiddenLine>
+            </a:ext>
+            <a:ext uri="{AF507438-7753-43e0-B8FC-AC1667EBCBE1}">
+              <a14:hiddenEffects xmlns:a14="http://schemas.microsoft.com/office/drawing/2010/main">
+                <a:effectLst>
+                  <a:outerShdw blurRad="63500" dist="38099" dir="2700000" algn="ctr" rotWithShape="0">
+                    <a:schemeClr val="bg2">
+                      <a:alpha val="74998"/>
+                    </a:schemeClr>
+                  </a:outerShdw>
+                </a:effectLst>
+              </a14:hiddenEffects>
+            </a:ext>
+          </a:extLst>
+        </p:spPr>
+        <p:txBody>
+          <a:bodyPr wrap="none">
+            <a:spAutoFit/>
+          </a:bodyPr>
+          <a:lstStyle/>
+          <a:p>
+            <a:r>
+              <a:rPr lang="en-GB" i="0" dirty="0" smtClean="0"/>
+              <a:t>owl</a:t>
+            </a:r>
+            <a:endParaRPr lang="en-GB" i="0" dirty="0"/>
+          </a:p>
+        </p:txBody>
+      </p:sp>
+      <p:sp>
+        <p:nvSpPr>
+          <p:cNvPr id="13" name="Text Box 7"/>
+          <p:cNvSpPr txBox="1">
+            <a:spLocks noChangeArrowheads="1"/>
+          </p:cNvSpPr>
+          <p:nvPr/>
+        </p:nvSpPr>
+        <p:spPr bwMode="auto">
+          <a:xfrm>
+            <a:off x="5364088" y="404664"/>
+            <a:ext cx="1252522" cy="430887"/>
+          </a:xfrm>
+          <a:prstGeom prst="rect">
+            <a:avLst/>
+          </a:prstGeom>
+          <a:noFill/>
+          <a:ln>
+            <a:noFill/>
+          </a:ln>
+          <a:effectLst/>
+          <a:extLst>
+            <a:ext uri="{909E8E84-426E-40dd-AFC4-6F175D3DCCD1}">
+              <a14:hiddenFill xmlns:a14="http://schemas.microsoft.com/office/drawing/2010/main">
+                <a:solidFill>
+                  <a:schemeClr val="accent1"/>
+                </a:solidFill>
+              </a14:hiddenFill>
+            </a:ext>
+            <a:ext uri="{91240B29-F687-4f45-9708-019B960494DF}">
+              <a14:hiddenLine xmlns:a14="http://schemas.microsoft.com/office/drawing/2010/main" w="9525">
+                <a:solidFill>
+                  <a:schemeClr val="tx1"/>
+                </a:solidFill>
+                <a:miter lim="800000"/>
+                <a:headEnd/>
+                <a:tailEnd/>
+              </a14:hiddenLine>
+            </a:ext>
+            <a:ext uri="{AF507438-7753-43e0-B8FC-AC1667EBCBE1}">
+              <a14:hiddenEffects xmlns:a14="http://schemas.microsoft.com/office/drawing/2010/main">
+                <a:effectLst>
+                  <a:outerShdw blurRad="63500" dist="38099" dir="2700000" algn="ctr" rotWithShape="0">
+                    <a:schemeClr val="bg2">
+                      <a:alpha val="74998"/>
+                    </a:schemeClr>
+                  </a:outerShdw>
+                </a:effectLst>
+              </a14:hiddenEffects>
+            </a:ext>
+          </a:extLst>
+        </p:spPr>
+        <p:txBody>
+          <a:bodyPr wrap="none">
+            <a:spAutoFit/>
+          </a:bodyPr>
+          <a:lstStyle/>
+          <a:p>
+            <a:r>
+              <a:rPr lang="en-GB" i="0" dirty="0" smtClean="0"/>
+              <a:t>contents</a:t>
+            </a:r>
+            <a:endParaRPr lang="en-GB" i="0" dirty="0"/>
+          </a:p>
+        </p:txBody>
+      </p:sp>
+      <p:cxnSp>
+        <p:nvCxnSpPr>
+          <p:cNvPr id="14" name="Straight Connector 13"/>
+          <p:cNvCxnSpPr/>
+          <p:nvPr/>
+        </p:nvCxnSpPr>
+        <p:spPr bwMode="auto">
+          <a:xfrm>
+            <a:off x="3491880" y="1412776"/>
+            <a:ext cx="5184576" cy="0"/>
+          </a:xfrm>
+          <a:prstGeom prst="line">
+            <a:avLst/>
+          </a:prstGeom>
+          <a:solidFill>
+            <a:srgbClr val="00B8FF"/>
+          </a:solidFill>
+          <a:ln w="9525" cap="flat" cmpd="sng" algn="ctr">
+            <a:solidFill>
+              <a:schemeClr val="bg1"/>
+            </a:solidFill>
+            <a:prstDash val="solid"/>
+            <a:round/>
+            <a:headEnd type="none" w="med" len="med"/>
+            <a:tailEnd type="none" w="med" len="med"/>
+          </a:ln>
+          <a:effectLst/>
+        </p:spPr>
+      </p:cxnSp>
+    </p:spTree>
+    <p:extLst>
+      <p:ext uri="{BB962C8B-B14F-4D97-AF65-F5344CB8AC3E}">
+        <p14:creationId xmlns:p14="http://schemas.microsoft.com/office/powerpoint/2010/main" val="3859599538"/>
+      </p:ext>
+    </p:extLst>
+  </p:cSld>
+  <p:clrMapOvr>
+    <a:masterClrMapping/>
+  </p:clrMapOvr>
+  <p:transition xmlns:p14="http://schemas.microsoft.com/office/powerpoint/2010/main"/>
+  <p:timing>
+    <p:tnLst>
+      <p:par>
+        <p:cTn xmlns:p14="http://schemas.microsoft.com/office/powerpoint/2010/main" id="1" dur="indefinite" restart="never" nodeType="tmRoot"/>
+      </p:par>
+    </p:tnLst>
+  </p:timing>
+</p:sld>
+</file>
+
+<file path=ppt/slides/slide45.xml><?xml version="1.0" encoding="utf-8"?>
+<p:sld xmlns:a="http://schemas.openxmlformats.org/drawingml/2006/main" xmlns:r="http://schemas.openxmlformats.org/officeDocument/2006/relationships" xmlns:p="http://schemas.openxmlformats.org/presentationml/2006/main">
+  <p:cSld>
+    <p:spTree>
+      <p:nvGrpSpPr>
+        <p:cNvPr id="1" name=""/>
+        <p:cNvGrpSpPr/>
+        <p:nvPr/>
+      </p:nvGrpSpPr>
+      <p:grpSpPr>
+        <a:xfrm>
+          <a:off x="0" y="0"/>
+          <a:ext cx="0" cy="0"/>
+          <a:chOff x="0" y="0"/>
+          <a:chExt cx="0" cy="0"/>
+        </a:xfrm>
+      </p:grpSpPr>
       <p:pic>
         <p:nvPicPr>
           <p:cNvPr id="3" name="Picture 2" descr="DSC_AA_7347.JPG"/>
@@ -32473,7 +33412,7 @@
 </p:sld>
 </file>
 
-<file path=ppt/slides/slide44.xml><?xml version="1.0" encoding="utf-8"?>
+<file path=ppt/slides/slide46.xml><?xml version="1.0" encoding="utf-8"?>
 <p:sld xmlns:a="http://schemas.openxmlformats.org/drawingml/2006/main" xmlns:r="http://schemas.openxmlformats.org/officeDocument/2006/relationships" xmlns:p="http://schemas.openxmlformats.org/presentationml/2006/main">
   <p:cSld>
     <p:spTree>
@@ -32555,945 +33494,6 @@
             </p:seq>
           </p:childTnLst>
         </p:cTn>
-      </p:par>
-    </p:tnLst>
-  </p:timing>
-</p:sld>
-</file>
-
-<file path=ppt/slides/slide45.xml><?xml version="1.0" encoding="utf-8"?>
-<p:sld xmlns:a="http://schemas.openxmlformats.org/drawingml/2006/main" xmlns:r="http://schemas.openxmlformats.org/officeDocument/2006/relationships" xmlns:p="http://schemas.openxmlformats.org/presentationml/2006/main">
-  <p:cSld>
-    <p:spTree>
-      <p:nvGrpSpPr>
-        <p:cNvPr id="1" name=""/>
-        <p:cNvGrpSpPr/>
-        <p:nvPr/>
-      </p:nvGrpSpPr>
-      <p:grpSpPr>
-        <a:xfrm>
-          <a:off x="0" y="0"/>
-          <a:ext cx="0" cy="0"/>
-          <a:chOff x="0" y="0"/>
-          <a:chExt cx="0" cy="0"/>
-        </a:xfrm>
-      </p:grpSpPr>
-      <p:sp>
-        <p:nvSpPr>
-          <p:cNvPr id="831495" name="Text Box 7"/>
-          <p:cNvSpPr txBox="1">
-            <a:spLocks noChangeArrowheads="1"/>
-          </p:cNvSpPr>
-          <p:nvPr/>
-        </p:nvSpPr>
-        <p:spPr bwMode="auto">
-          <a:xfrm>
-            <a:off x="2851016" y="3214690"/>
-            <a:ext cx="3441968" cy="430887"/>
-          </a:xfrm>
-          <a:prstGeom prst="rect">
-            <a:avLst/>
-          </a:prstGeom>
-          <a:noFill/>
-          <a:ln>
-            <a:noFill/>
-          </a:ln>
-          <a:effectLst/>
-          <a:extLst>
-            <a:ext uri="{909E8E84-426E-40dd-AFC4-6F175D3DCCD1}">
-              <a14:hiddenFill xmlns:a14="http://schemas.microsoft.com/office/drawing/2010/main">
-                <a:solidFill>
-                  <a:schemeClr val="accent1"/>
-                </a:solidFill>
-              </a14:hiddenFill>
-            </a:ext>
-            <a:ext uri="{91240B29-F687-4f45-9708-019B960494DF}">
-              <a14:hiddenLine xmlns:a14="http://schemas.microsoft.com/office/drawing/2010/main" w="9525">
-                <a:solidFill>
-                  <a:schemeClr val="tx1"/>
-                </a:solidFill>
-                <a:miter lim="800000"/>
-                <a:headEnd/>
-                <a:tailEnd/>
-              </a14:hiddenLine>
-            </a:ext>
-            <a:ext uri="{AF507438-7753-43e0-B8FC-AC1667EBCBE1}">
-              <a14:hiddenEffects xmlns:a14="http://schemas.microsoft.com/office/drawing/2010/main">
-                <a:effectLst>
-                  <a:outerShdw blurRad="63500" dist="38099" dir="2700000" algn="ctr" rotWithShape="0">
-                    <a:schemeClr val="bg2">
-                      <a:alpha val="74998"/>
-                    </a:schemeClr>
-                  </a:outerShdw>
-                </a:effectLst>
-              </a14:hiddenEffects>
-            </a:ext>
-          </a:extLst>
-        </p:spPr>
-        <p:txBody>
-          <a:bodyPr wrap="none">
-            <a:spAutoFit/>
-          </a:bodyPr>
-          <a:lstStyle/>
-          <a:p>
-            <a:r>
-              <a:rPr lang="en-GB" i="0" dirty="0"/>
-              <a:t>The problem of </a:t>
-            </a:r>
-            <a:r>
-              <a:rPr lang="en-GB" i="0" dirty="0" smtClean="0"/>
-              <a:t>false belief</a:t>
-            </a:r>
-            <a:endParaRPr lang="en-GB" i="0" dirty="0"/>
-          </a:p>
-        </p:txBody>
-      </p:sp>
-    </p:spTree>
-    <p:extLst>
-      <p:ext uri="{BB962C8B-B14F-4D97-AF65-F5344CB8AC3E}">
-        <p14:creationId xmlns:p14="http://schemas.microsoft.com/office/powerpoint/2010/main" val="3815201714"/>
-      </p:ext>
-    </p:extLst>
-  </p:cSld>
-  <p:clrMapOvr>
-    <a:masterClrMapping/>
-  </p:clrMapOvr>
-  <p:transition xmlns:p14="http://schemas.microsoft.com/office/powerpoint/2010/main"/>
-  <p:timing>
-    <p:tnLst>
-      <p:par>
-        <p:cTn xmlns:p14="http://schemas.microsoft.com/office/powerpoint/2010/main" id="1" dur="indefinite" restart="never" nodeType="tmRoot"/>
-      </p:par>
-    </p:tnLst>
-  </p:timing>
-</p:sld>
-</file>
-
-<file path=ppt/slides/slide46.xml><?xml version="1.0" encoding="utf-8"?>
-<p:sld xmlns:a="http://schemas.openxmlformats.org/drawingml/2006/main" xmlns:r="http://schemas.openxmlformats.org/officeDocument/2006/relationships" xmlns:p="http://schemas.openxmlformats.org/presentationml/2006/main">
-  <p:cSld>
-    <p:spTree>
-      <p:nvGrpSpPr>
-        <p:cNvPr id="1" name=""/>
-        <p:cNvGrpSpPr/>
-        <p:nvPr/>
-      </p:nvGrpSpPr>
-      <p:grpSpPr>
-        <a:xfrm>
-          <a:off x="0" y="0"/>
-          <a:ext cx="0" cy="0"/>
-          <a:chOff x="0" y="0"/>
-          <a:chExt cx="0" cy="0"/>
-        </a:xfrm>
-      </p:grpSpPr>
-      <p:sp>
-        <p:nvSpPr>
-          <p:cNvPr id="2" name="Rectangle 1"/>
-          <p:cNvSpPr/>
-          <p:nvPr/>
-        </p:nvSpPr>
-        <p:spPr bwMode="auto">
-          <a:xfrm>
-            <a:off x="1043608" y="1772816"/>
-            <a:ext cx="1368152" cy="1368152"/>
-          </a:xfrm>
-          <a:prstGeom prst="rect">
-            <a:avLst/>
-          </a:prstGeom>
-          <a:solidFill>
-            <a:schemeClr val="bg1"/>
-          </a:solidFill>
-          <a:ln w="9525" cap="flat" cmpd="sng" algn="ctr">
-            <a:solidFill>
-              <a:schemeClr val="tx1"/>
-            </a:solidFill>
-            <a:prstDash val="solid"/>
-            <a:round/>
-            <a:headEnd type="none" w="med" len="med"/>
-            <a:tailEnd type="none" w="med" len="med"/>
-          </a:ln>
-          <a:effectLst/>
-        </p:spPr>
-        <p:txBody>
-          <a:bodyPr vert="horz" wrap="square" lIns="91440" tIns="45720" rIns="91440" bIns="45720" numCol="1" rtlCol="0" anchor="t" anchorCtr="0" compatLnSpc="1">
-            <a:prstTxWarp prst="textNoShape">
-              <a:avLst/>
-            </a:prstTxWarp>
-          </a:bodyPr>
-          <a:lstStyle/>
-          <a:p>
-            <a:pPr marL="0" marR="0" indent="0" algn="l" defTabSz="449263" rtl="0" eaLnBrk="1" fontAlgn="base" latinLnBrk="0" hangingPunct="1">
-              <a:lnSpc>
-                <a:spcPct val="100000"/>
-              </a:lnSpc>
-              <a:spcBef>
-                <a:spcPct val="0"/>
-              </a:spcBef>
-              <a:spcAft>
-                <a:spcPct val="0"/>
-              </a:spcAft>
-              <a:buClr>
-                <a:srgbClr val="000000"/>
-              </a:buClr>
-              <a:buSzPct val="100000"/>
-              <a:buFont typeface="Times New Roman" charset="0"/>
-              <a:buNone/>
-              <a:tabLst/>
-            </a:pPr>
-            <a:endParaRPr kumimoji="0" lang="en-US" sz="2200" b="0" i="1" u="none" strike="noStrike" cap="none" normalizeH="0" baseline="0">
-              <a:ln>
-                <a:noFill/>
-              </a:ln>
-              <a:solidFill>
-                <a:schemeClr val="bg1"/>
-              </a:solidFill>
-              <a:effectLst/>
-              <a:latin typeface="Myriad Web" charset="0"/>
-            </a:endParaRPr>
-          </a:p>
-        </p:txBody>
-      </p:sp>
-      <p:sp>
-        <p:nvSpPr>
-          <p:cNvPr id="4" name="Rectangle 3"/>
-          <p:cNvSpPr/>
-          <p:nvPr/>
-        </p:nvSpPr>
-        <p:spPr bwMode="auto">
-          <a:xfrm>
-            <a:off x="1259632" y="4221088"/>
-            <a:ext cx="1368152" cy="1368152"/>
-          </a:xfrm>
-          <a:prstGeom prst="rect">
-            <a:avLst/>
-          </a:prstGeom>
-          <a:solidFill>
-            <a:schemeClr val="bg1"/>
-          </a:solidFill>
-          <a:ln w="9525" cap="flat" cmpd="sng" algn="ctr">
-            <a:solidFill>
-              <a:schemeClr val="tx1"/>
-            </a:solidFill>
-            <a:prstDash val="solid"/>
-            <a:round/>
-            <a:headEnd type="none" w="med" len="med"/>
-            <a:tailEnd type="none" w="med" len="med"/>
-          </a:ln>
-          <a:effectLst/>
-        </p:spPr>
-        <p:txBody>
-          <a:bodyPr vert="horz" wrap="square" lIns="91440" tIns="45720" rIns="91440" bIns="45720" numCol="1" rtlCol="0" anchor="t" anchorCtr="0" compatLnSpc="1">
-            <a:prstTxWarp prst="textNoShape">
-              <a:avLst/>
-            </a:prstTxWarp>
-          </a:bodyPr>
-          <a:lstStyle/>
-          <a:p>
-            <a:pPr marL="0" marR="0" indent="0" algn="l" defTabSz="449263" rtl="0" eaLnBrk="1" fontAlgn="base" latinLnBrk="0" hangingPunct="1">
-              <a:lnSpc>
-                <a:spcPct val="100000"/>
-              </a:lnSpc>
-              <a:spcBef>
-                <a:spcPct val="0"/>
-              </a:spcBef>
-              <a:spcAft>
-                <a:spcPct val="0"/>
-              </a:spcAft>
-              <a:buClr>
-                <a:srgbClr val="000000"/>
-              </a:buClr>
-              <a:buSzPct val="100000"/>
-              <a:buFont typeface="Times New Roman" charset="0"/>
-              <a:buNone/>
-              <a:tabLst/>
-            </a:pPr>
-            <a:endParaRPr kumimoji="0" lang="en-US" sz="2200" b="0" i="1" u="none" strike="noStrike" cap="none" normalizeH="0" baseline="0">
-              <a:ln>
-                <a:noFill/>
-              </a:ln>
-              <a:solidFill>
-                <a:schemeClr val="bg1"/>
-              </a:solidFill>
-              <a:effectLst/>
-              <a:latin typeface="Myriad Web" charset="0"/>
-            </a:endParaRPr>
-          </a:p>
-        </p:txBody>
-      </p:sp>
-      <p:sp>
-        <p:nvSpPr>
-          <p:cNvPr id="5" name="Text Box 7"/>
-          <p:cNvSpPr txBox="1">
-            <a:spLocks noChangeArrowheads="1"/>
-          </p:cNvSpPr>
-          <p:nvPr/>
-        </p:nvSpPr>
-        <p:spPr bwMode="auto">
-          <a:xfrm>
-            <a:off x="3995936" y="909881"/>
-            <a:ext cx="926941" cy="430887"/>
-          </a:xfrm>
-          <a:prstGeom prst="rect">
-            <a:avLst/>
-          </a:prstGeom>
-          <a:noFill/>
-          <a:ln>
-            <a:noFill/>
-          </a:ln>
-          <a:effectLst/>
-          <a:extLst>
-            <a:ext uri="{909E8E84-426E-40dd-AFC4-6F175D3DCCD1}">
-              <a14:hiddenFill xmlns:a14="http://schemas.microsoft.com/office/drawing/2010/main">
-                <a:solidFill>
-                  <a:schemeClr val="accent1"/>
-                </a:solidFill>
-              </a14:hiddenFill>
-            </a:ext>
-            <a:ext uri="{91240B29-F687-4f45-9708-019B960494DF}">
-              <a14:hiddenLine xmlns:a14="http://schemas.microsoft.com/office/drawing/2010/main" w="9525">
-                <a:solidFill>
-                  <a:schemeClr val="tx1"/>
-                </a:solidFill>
-                <a:miter lim="800000"/>
-                <a:headEnd/>
-                <a:tailEnd/>
-              </a14:hiddenLine>
-            </a:ext>
-            <a:ext uri="{AF507438-7753-43e0-B8FC-AC1667EBCBE1}">
-              <a14:hiddenEffects xmlns:a14="http://schemas.microsoft.com/office/drawing/2010/main">
-                <a:effectLst>
-                  <a:outerShdw blurRad="63500" dist="38099" dir="2700000" algn="ctr" rotWithShape="0">
-                    <a:schemeClr val="bg2">
-                      <a:alpha val="74998"/>
-                    </a:schemeClr>
-                  </a:outerShdw>
-                </a:effectLst>
-              </a14:hiddenEffects>
-            </a:ext>
-          </a:extLst>
-        </p:spPr>
-        <p:txBody>
-          <a:bodyPr wrap="none">
-            <a:spAutoFit/>
-          </a:bodyPr>
-          <a:lstStyle/>
-          <a:p>
-            <a:r>
-              <a:rPr lang="en-GB" i="0" dirty="0" smtClean="0"/>
-              <a:t>actual</a:t>
-            </a:r>
-            <a:endParaRPr lang="en-GB" i="0" dirty="0"/>
-          </a:p>
-        </p:txBody>
-      </p:sp>
-      <p:sp>
-        <p:nvSpPr>
-          <p:cNvPr id="6" name="Text Box 7"/>
-          <p:cNvSpPr txBox="1">
-            <a:spLocks noChangeArrowheads="1"/>
-          </p:cNvSpPr>
-          <p:nvPr/>
-        </p:nvSpPr>
-        <p:spPr bwMode="auto">
-          <a:xfrm>
-            <a:off x="1187624" y="2204864"/>
-            <a:ext cx="899298" cy="430887"/>
-          </a:xfrm>
-          <a:prstGeom prst="rect">
-            <a:avLst/>
-          </a:prstGeom>
-          <a:noFill/>
-          <a:ln>
-            <a:noFill/>
-          </a:ln>
-          <a:effectLst/>
-          <a:extLst>
-            <a:ext uri="{909E8E84-426E-40dd-AFC4-6F175D3DCCD1}">
-              <a14:hiddenFill xmlns:a14="http://schemas.microsoft.com/office/drawing/2010/main">
-                <a:solidFill>
-                  <a:schemeClr val="accent1"/>
-                </a:solidFill>
-              </a14:hiddenFill>
-            </a:ext>
-            <a:ext uri="{91240B29-F687-4f45-9708-019B960494DF}">
-              <a14:hiddenLine xmlns:a14="http://schemas.microsoft.com/office/drawing/2010/main" w="9525">
-                <a:solidFill>
-                  <a:schemeClr val="tx1"/>
-                </a:solidFill>
-                <a:miter lim="800000"/>
-                <a:headEnd/>
-                <a:tailEnd/>
-              </a14:hiddenLine>
-            </a:ext>
-            <a:ext uri="{AF507438-7753-43e0-B8FC-AC1667EBCBE1}">
-              <a14:hiddenEffects xmlns:a14="http://schemas.microsoft.com/office/drawing/2010/main">
-                <a:effectLst>
-                  <a:outerShdw blurRad="63500" dist="38099" dir="2700000" algn="ctr" rotWithShape="0">
-                    <a:schemeClr val="bg2">
-                      <a:alpha val="74998"/>
-                    </a:schemeClr>
-                  </a:outerShdw>
-                </a:effectLst>
-              </a14:hiddenEffects>
-            </a:ext>
-          </a:extLst>
-        </p:spPr>
-        <p:txBody>
-          <a:bodyPr wrap="none">
-            <a:spAutoFit/>
-          </a:bodyPr>
-          <a:lstStyle/>
-          <a:p>
-            <a:r>
-              <a:rPr lang="en-GB" i="0" dirty="0" smtClean="0">
-                <a:solidFill>
-                  <a:srgbClr val="000000"/>
-                </a:solidFill>
-                <a:effectLst>
-                  <a:glow>
-                    <a:srgbClr val="FFFFFF"/>
-                  </a:glow>
-                </a:effectLst>
-              </a:rPr>
-              <a:t>North</a:t>
-            </a:r>
-            <a:endParaRPr lang="en-GB" i="0" dirty="0">
-              <a:solidFill>
-                <a:srgbClr val="000000"/>
-              </a:solidFill>
-              <a:effectLst>
-                <a:glow>
-                  <a:srgbClr val="FFFFFF"/>
-                </a:glow>
-              </a:effectLst>
-            </a:endParaRPr>
-          </a:p>
-        </p:txBody>
-      </p:sp>
-      <p:sp>
-        <p:nvSpPr>
-          <p:cNvPr id="7" name="Text Box 7"/>
-          <p:cNvSpPr txBox="1">
-            <a:spLocks noChangeArrowheads="1"/>
-          </p:cNvSpPr>
-          <p:nvPr/>
-        </p:nvSpPr>
-        <p:spPr bwMode="auto">
-          <a:xfrm>
-            <a:off x="1475656" y="4797152"/>
-            <a:ext cx="909454" cy="430887"/>
-          </a:xfrm>
-          <a:prstGeom prst="rect">
-            <a:avLst/>
-          </a:prstGeom>
-          <a:noFill/>
-          <a:ln>
-            <a:noFill/>
-          </a:ln>
-          <a:effectLst/>
-          <a:extLst>
-            <a:ext uri="{909E8E84-426E-40dd-AFC4-6F175D3DCCD1}">
-              <a14:hiddenFill xmlns:a14="http://schemas.microsoft.com/office/drawing/2010/main">
-                <a:solidFill>
-                  <a:schemeClr val="accent1"/>
-                </a:solidFill>
-              </a14:hiddenFill>
-            </a:ext>
-            <a:ext uri="{91240B29-F687-4f45-9708-019B960494DF}">
-              <a14:hiddenLine xmlns:a14="http://schemas.microsoft.com/office/drawing/2010/main" w="9525">
-                <a:solidFill>
-                  <a:schemeClr val="tx1"/>
-                </a:solidFill>
-                <a:miter lim="800000"/>
-                <a:headEnd/>
-                <a:tailEnd/>
-              </a14:hiddenLine>
-            </a:ext>
-            <a:ext uri="{AF507438-7753-43e0-B8FC-AC1667EBCBE1}">
-              <a14:hiddenEffects xmlns:a14="http://schemas.microsoft.com/office/drawing/2010/main">
-                <a:effectLst>
-                  <a:outerShdw blurRad="63500" dist="38099" dir="2700000" algn="ctr" rotWithShape="0">
-                    <a:schemeClr val="bg2">
-                      <a:alpha val="74998"/>
-                    </a:schemeClr>
-                  </a:outerShdw>
-                </a:effectLst>
-              </a14:hiddenEffects>
-            </a:ext>
-          </a:extLst>
-        </p:spPr>
-        <p:txBody>
-          <a:bodyPr wrap="none">
-            <a:spAutoFit/>
-          </a:bodyPr>
-          <a:lstStyle/>
-          <a:p>
-            <a:r>
-              <a:rPr lang="en-GB" i="0" dirty="0" smtClean="0">
-                <a:solidFill>
-                  <a:srgbClr val="000000"/>
-                </a:solidFill>
-                <a:effectLst>
-                  <a:glow>
-                    <a:srgbClr val="FFFFFF"/>
-                  </a:glow>
-                </a:effectLst>
-              </a:rPr>
-              <a:t>South</a:t>
-            </a:r>
-            <a:endParaRPr lang="en-GB" i="0" dirty="0">
-              <a:solidFill>
-                <a:srgbClr val="000000"/>
-              </a:solidFill>
-              <a:effectLst>
-                <a:glow>
-                  <a:srgbClr val="FFFFFF"/>
-                </a:glow>
-              </a:effectLst>
-            </a:endParaRPr>
-          </a:p>
-        </p:txBody>
-      </p:sp>
-      <p:sp>
-        <p:nvSpPr>
-          <p:cNvPr id="8" name="Text Box 7"/>
-          <p:cNvSpPr txBox="1">
-            <a:spLocks noChangeArrowheads="1"/>
-          </p:cNvSpPr>
-          <p:nvPr/>
-        </p:nvSpPr>
-        <p:spPr bwMode="auto">
-          <a:xfrm>
-            <a:off x="6948264" y="981889"/>
-            <a:ext cx="1230237" cy="430887"/>
-          </a:xfrm>
-          <a:prstGeom prst="rect">
-            <a:avLst/>
-          </a:prstGeom>
-          <a:noFill/>
-          <a:ln>
-            <a:noFill/>
-          </a:ln>
-          <a:effectLst/>
-          <a:extLst>
-            <a:ext uri="{909E8E84-426E-40dd-AFC4-6F175D3DCCD1}">
-              <a14:hiddenFill xmlns:a14="http://schemas.microsoft.com/office/drawing/2010/main">
-                <a:solidFill>
-                  <a:schemeClr val="accent1"/>
-                </a:solidFill>
-              </a14:hiddenFill>
-            </a:ext>
-            <a:ext uri="{91240B29-F687-4f45-9708-019B960494DF}">
-              <a14:hiddenLine xmlns:a14="http://schemas.microsoft.com/office/drawing/2010/main" w="9525">
-                <a:solidFill>
-                  <a:schemeClr val="tx1"/>
-                </a:solidFill>
-                <a:miter lim="800000"/>
-                <a:headEnd/>
-                <a:tailEnd/>
-              </a14:hiddenLine>
-            </a:ext>
-            <a:ext uri="{AF507438-7753-43e0-B8FC-AC1667EBCBE1}">
-              <a14:hiddenEffects xmlns:a14="http://schemas.microsoft.com/office/drawing/2010/main">
-                <a:effectLst>
-                  <a:outerShdw blurRad="63500" dist="38099" dir="2700000" algn="ctr" rotWithShape="0">
-                    <a:schemeClr val="bg2">
-                      <a:alpha val="74998"/>
-                    </a:schemeClr>
-                  </a:outerShdw>
-                </a:effectLst>
-              </a14:hiddenEffects>
-            </a:ext>
-          </a:extLst>
-        </p:spPr>
-        <p:txBody>
-          <a:bodyPr wrap="none">
-            <a:spAutoFit/>
-          </a:bodyPr>
-          <a:lstStyle/>
-          <a:p>
-            <a:r>
-              <a:rPr lang="en-GB" i="0" dirty="0" smtClean="0"/>
-              <a:t>believed</a:t>
-            </a:r>
-            <a:endParaRPr lang="en-GB" i="0" dirty="0"/>
-          </a:p>
-        </p:txBody>
-      </p:sp>
-      <p:sp>
-        <p:nvSpPr>
-          <p:cNvPr id="9" name="Text Box 7"/>
-          <p:cNvSpPr txBox="1">
-            <a:spLocks noChangeArrowheads="1"/>
-          </p:cNvSpPr>
-          <p:nvPr/>
-        </p:nvSpPr>
-        <p:spPr bwMode="auto">
-          <a:xfrm>
-            <a:off x="4067944" y="2132856"/>
-            <a:ext cx="625355" cy="430887"/>
-          </a:xfrm>
-          <a:prstGeom prst="rect">
-            <a:avLst/>
-          </a:prstGeom>
-          <a:noFill/>
-          <a:ln>
-            <a:noFill/>
-          </a:ln>
-          <a:effectLst/>
-          <a:extLst>
-            <a:ext uri="{909E8E84-426E-40dd-AFC4-6F175D3DCCD1}">
-              <a14:hiddenFill xmlns:a14="http://schemas.microsoft.com/office/drawing/2010/main">
-                <a:solidFill>
-                  <a:schemeClr val="accent1"/>
-                </a:solidFill>
-              </a14:hiddenFill>
-            </a:ext>
-            <a:ext uri="{91240B29-F687-4f45-9708-019B960494DF}">
-              <a14:hiddenLine xmlns:a14="http://schemas.microsoft.com/office/drawing/2010/main" w="9525">
-                <a:solidFill>
-                  <a:schemeClr val="tx1"/>
-                </a:solidFill>
-                <a:miter lim="800000"/>
-                <a:headEnd/>
-                <a:tailEnd/>
-              </a14:hiddenLine>
-            </a:ext>
-            <a:ext uri="{AF507438-7753-43e0-B8FC-AC1667EBCBE1}">
-              <a14:hiddenEffects xmlns:a14="http://schemas.microsoft.com/office/drawing/2010/main">
-                <a:effectLst>
-                  <a:outerShdw blurRad="63500" dist="38099" dir="2700000" algn="ctr" rotWithShape="0">
-                    <a:schemeClr val="bg2">
-                      <a:alpha val="74998"/>
-                    </a:schemeClr>
-                  </a:outerShdw>
-                </a:effectLst>
-              </a14:hiddenEffects>
-            </a:ext>
-          </a:extLst>
-        </p:spPr>
-        <p:txBody>
-          <a:bodyPr wrap="none">
-            <a:spAutoFit/>
-          </a:bodyPr>
-          <a:lstStyle/>
-          <a:p>
-            <a:r>
-              <a:rPr lang="en-GB" i="0" dirty="0" smtClean="0"/>
-              <a:t>owl</a:t>
-            </a:r>
-            <a:endParaRPr lang="en-GB" i="0" dirty="0"/>
-          </a:p>
-        </p:txBody>
-      </p:sp>
-      <p:sp>
-        <p:nvSpPr>
-          <p:cNvPr id="10" name="Text Box 7"/>
-          <p:cNvSpPr txBox="1">
-            <a:spLocks noChangeArrowheads="1"/>
-          </p:cNvSpPr>
-          <p:nvPr/>
-        </p:nvSpPr>
-        <p:spPr bwMode="auto">
-          <a:xfrm>
-            <a:off x="4139952" y="4653136"/>
-            <a:ext cx="553121" cy="430887"/>
-          </a:xfrm>
-          <a:prstGeom prst="rect">
-            <a:avLst/>
-          </a:prstGeom>
-          <a:noFill/>
-          <a:ln>
-            <a:noFill/>
-          </a:ln>
-          <a:effectLst/>
-          <a:extLst>
-            <a:ext uri="{909E8E84-426E-40dd-AFC4-6F175D3DCCD1}">
-              <a14:hiddenFill xmlns:a14="http://schemas.microsoft.com/office/drawing/2010/main">
-                <a:solidFill>
-                  <a:schemeClr val="accent1"/>
-                </a:solidFill>
-              </a14:hiddenFill>
-            </a:ext>
-            <a:ext uri="{91240B29-F687-4f45-9708-019B960494DF}">
-              <a14:hiddenLine xmlns:a14="http://schemas.microsoft.com/office/drawing/2010/main" w="9525">
-                <a:solidFill>
-                  <a:schemeClr val="tx1"/>
-                </a:solidFill>
-                <a:miter lim="800000"/>
-                <a:headEnd/>
-                <a:tailEnd/>
-              </a14:hiddenLine>
-            </a:ext>
-            <a:ext uri="{AF507438-7753-43e0-B8FC-AC1667EBCBE1}">
-              <a14:hiddenEffects xmlns:a14="http://schemas.microsoft.com/office/drawing/2010/main">
-                <a:effectLst>
-                  <a:outerShdw blurRad="63500" dist="38099" dir="2700000" algn="ctr" rotWithShape="0">
-                    <a:schemeClr val="bg2">
-                      <a:alpha val="74998"/>
-                    </a:schemeClr>
-                  </a:outerShdw>
-                </a:effectLst>
-              </a14:hiddenEffects>
-            </a:ext>
-          </a:extLst>
-        </p:spPr>
-        <p:txBody>
-          <a:bodyPr wrap="none">
-            <a:spAutoFit/>
-          </a:bodyPr>
-          <a:lstStyle/>
-          <a:p>
-            <a:r>
-              <a:rPr lang="en-GB" i="0" dirty="0" smtClean="0"/>
-              <a:t>cat</a:t>
-            </a:r>
-            <a:endParaRPr lang="en-GB" i="0" dirty="0"/>
-          </a:p>
-        </p:txBody>
-      </p:sp>
-      <p:sp>
-        <p:nvSpPr>
-          <p:cNvPr id="11" name="Text Box 7"/>
-          <p:cNvSpPr txBox="1">
-            <a:spLocks noChangeArrowheads="1"/>
-          </p:cNvSpPr>
-          <p:nvPr/>
-        </p:nvSpPr>
-        <p:spPr bwMode="auto">
-          <a:xfrm>
-            <a:off x="7308304" y="1988840"/>
-            <a:ext cx="553121" cy="430887"/>
-          </a:xfrm>
-          <a:prstGeom prst="rect">
-            <a:avLst/>
-          </a:prstGeom>
-          <a:noFill/>
-          <a:ln>
-            <a:noFill/>
-          </a:ln>
-          <a:effectLst/>
-          <a:extLst>
-            <a:ext uri="{909E8E84-426E-40dd-AFC4-6F175D3DCCD1}">
-              <a14:hiddenFill xmlns:a14="http://schemas.microsoft.com/office/drawing/2010/main">
-                <a:solidFill>
-                  <a:schemeClr val="accent1"/>
-                </a:solidFill>
-              </a14:hiddenFill>
-            </a:ext>
-            <a:ext uri="{91240B29-F687-4f45-9708-019B960494DF}">
-              <a14:hiddenLine xmlns:a14="http://schemas.microsoft.com/office/drawing/2010/main" w="9525">
-                <a:solidFill>
-                  <a:schemeClr val="tx1"/>
-                </a:solidFill>
-                <a:miter lim="800000"/>
-                <a:headEnd/>
-                <a:tailEnd/>
-              </a14:hiddenLine>
-            </a:ext>
-            <a:ext uri="{AF507438-7753-43e0-B8FC-AC1667EBCBE1}">
-              <a14:hiddenEffects xmlns:a14="http://schemas.microsoft.com/office/drawing/2010/main">
-                <a:effectLst>
-                  <a:outerShdw blurRad="63500" dist="38099" dir="2700000" algn="ctr" rotWithShape="0">
-                    <a:schemeClr val="bg2">
-                      <a:alpha val="74998"/>
-                    </a:schemeClr>
-                  </a:outerShdw>
-                </a:effectLst>
-              </a14:hiddenEffects>
-            </a:ext>
-          </a:extLst>
-        </p:spPr>
-        <p:txBody>
-          <a:bodyPr wrap="none">
-            <a:spAutoFit/>
-          </a:bodyPr>
-          <a:lstStyle/>
-          <a:p>
-            <a:r>
-              <a:rPr lang="en-GB" i="0" dirty="0" smtClean="0"/>
-              <a:t>cat</a:t>
-            </a:r>
-            <a:endParaRPr lang="en-GB" i="0" dirty="0"/>
-          </a:p>
-        </p:txBody>
-      </p:sp>
-      <p:sp>
-        <p:nvSpPr>
-          <p:cNvPr id="12" name="Text Box 7"/>
-          <p:cNvSpPr txBox="1">
-            <a:spLocks noChangeArrowheads="1"/>
-          </p:cNvSpPr>
-          <p:nvPr/>
-        </p:nvSpPr>
-        <p:spPr bwMode="auto">
-          <a:xfrm>
-            <a:off x="7236296" y="4725144"/>
-            <a:ext cx="625355" cy="430887"/>
-          </a:xfrm>
-          <a:prstGeom prst="rect">
-            <a:avLst/>
-          </a:prstGeom>
-          <a:noFill/>
-          <a:ln>
-            <a:noFill/>
-          </a:ln>
-          <a:effectLst/>
-          <a:extLst>
-            <a:ext uri="{909E8E84-426E-40dd-AFC4-6F175D3DCCD1}">
-              <a14:hiddenFill xmlns:a14="http://schemas.microsoft.com/office/drawing/2010/main">
-                <a:solidFill>
-                  <a:schemeClr val="accent1"/>
-                </a:solidFill>
-              </a14:hiddenFill>
-            </a:ext>
-            <a:ext uri="{91240B29-F687-4f45-9708-019B960494DF}">
-              <a14:hiddenLine xmlns:a14="http://schemas.microsoft.com/office/drawing/2010/main" w="9525">
-                <a:solidFill>
-                  <a:schemeClr val="tx1"/>
-                </a:solidFill>
-                <a:miter lim="800000"/>
-                <a:headEnd/>
-                <a:tailEnd/>
-              </a14:hiddenLine>
-            </a:ext>
-            <a:ext uri="{AF507438-7753-43e0-B8FC-AC1667EBCBE1}">
-              <a14:hiddenEffects xmlns:a14="http://schemas.microsoft.com/office/drawing/2010/main">
-                <a:effectLst>
-                  <a:outerShdw blurRad="63500" dist="38099" dir="2700000" algn="ctr" rotWithShape="0">
-                    <a:schemeClr val="bg2">
-                      <a:alpha val="74998"/>
-                    </a:schemeClr>
-                  </a:outerShdw>
-                </a:effectLst>
-              </a14:hiddenEffects>
-            </a:ext>
-          </a:extLst>
-        </p:spPr>
-        <p:txBody>
-          <a:bodyPr wrap="none">
-            <a:spAutoFit/>
-          </a:bodyPr>
-          <a:lstStyle/>
-          <a:p>
-            <a:r>
-              <a:rPr lang="en-GB" i="0" dirty="0" smtClean="0"/>
-              <a:t>owl</a:t>
-            </a:r>
-            <a:endParaRPr lang="en-GB" i="0" dirty="0"/>
-          </a:p>
-        </p:txBody>
-      </p:sp>
-      <p:sp>
-        <p:nvSpPr>
-          <p:cNvPr id="13" name="Text Box 7"/>
-          <p:cNvSpPr txBox="1">
-            <a:spLocks noChangeArrowheads="1"/>
-          </p:cNvSpPr>
-          <p:nvPr/>
-        </p:nvSpPr>
-        <p:spPr bwMode="auto">
-          <a:xfrm>
-            <a:off x="5364088" y="404664"/>
-            <a:ext cx="1252522" cy="430887"/>
-          </a:xfrm>
-          <a:prstGeom prst="rect">
-            <a:avLst/>
-          </a:prstGeom>
-          <a:noFill/>
-          <a:ln>
-            <a:noFill/>
-          </a:ln>
-          <a:effectLst/>
-          <a:extLst>
-            <a:ext uri="{909E8E84-426E-40dd-AFC4-6F175D3DCCD1}">
-              <a14:hiddenFill xmlns:a14="http://schemas.microsoft.com/office/drawing/2010/main">
-                <a:solidFill>
-                  <a:schemeClr val="accent1"/>
-                </a:solidFill>
-              </a14:hiddenFill>
-            </a:ext>
-            <a:ext uri="{91240B29-F687-4f45-9708-019B960494DF}">
-              <a14:hiddenLine xmlns:a14="http://schemas.microsoft.com/office/drawing/2010/main" w="9525">
-                <a:solidFill>
-                  <a:schemeClr val="tx1"/>
-                </a:solidFill>
-                <a:miter lim="800000"/>
-                <a:headEnd/>
-                <a:tailEnd/>
-              </a14:hiddenLine>
-            </a:ext>
-            <a:ext uri="{AF507438-7753-43e0-B8FC-AC1667EBCBE1}">
-              <a14:hiddenEffects xmlns:a14="http://schemas.microsoft.com/office/drawing/2010/main">
-                <a:effectLst>
-                  <a:outerShdw blurRad="63500" dist="38099" dir="2700000" algn="ctr" rotWithShape="0">
-                    <a:schemeClr val="bg2">
-                      <a:alpha val="74998"/>
-                    </a:schemeClr>
-                  </a:outerShdw>
-                </a:effectLst>
-              </a14:hiddenEffects>
-            </a:ext>
-          </a:extLst>
-        </p:spPr>
-        <p:txBody>
-          <a:bodyPr wrap="none">
-            <a:spAutoFit/>
-          </a:bodyPr>
-          <a:lstStyle/>
-          <a:p>
-            <a:r>
-              <a:rPr lang="en-GB" i="0" dirty="0" smtClean="0"/>
-              <a:t>contents</a:t>
-            </a:r>
-            <a:endParaRPr lang="en-GB" i="0" dirty="0"/>
-          </a:p>
-        </p:txBody>
-      </p:sp>
-      <p:cxnSp>
-        <p:nvCxnSpPr>
-          <p:cNvPr id="14" name="Straight Connector 13"/>
-          <p:cNvCxnSpPr/>
-          <p:nvPr/>
-        </p:nvCxnSpPr>
-        <p:spPr bwMode="auto">
-          <a:xfrm>
-            <a:off x="3491880" y="1412776"/>
-            <a:ext cx="5184576" cy="0"/>
-          </a:xfrm>
-          <a:prstGeom prst="line">
-            <a:avLst/>
-          </a:prstGeom>
-          <a:solidFill>
-            <a:srgbClr val="00B8FF"/>
-          </a:solidFill>
-          <a:ln w="9525" cap="flat" cmpd="sng" algn="ctr">
-            <a:solidFill>
-              <a:schemeClr val="bg1"/>
-            </a:solidFill>
-            <a:prstDash val="solid"/>
-            <a:round/>
-            <a:headEnd type="none" w="med" len="med"/>
-            <a:tailEnd type="none" w="med" len="med"/>
-          </a:ln>
-          <a:effectLst/>
-        </p:spPr>
-      </p:cxnSp>
-    </p:spTree>
-    <p:extLst>
-      <p:ext uri="{BB962C8B-B14F-4D97-AF65-F5344CB8AC3E}">
-        <p14:creationId xmlns:p14="http://schemas.microsoft.com/office/powerpoint/2010/main" val="79089307"/>
-      </p:ext>
-    </p:extLst>
-  </p:cSld>
-  <p:clrMapOvr>
-    <a:masterClrMapping/>
-  </p:clrMapOvr>
-  <p:transition xmlns:p14="http://schemas.microsoft.com/office/powerpoint/2010/main"/>
-  <p:timing>
-    <p:tnLst>
-      <p:par>
-        <p:cTn xmlns:p14="http://schemas.microsoft.com/office/powerpoint/2010/main" id="1" dur="indefinite" restart="never" nodeType="tmRoot"/>
       </p:par>
     </p:tnLst>
   </p:timing>
